--- a/Document/Seminar.pptx
+++ b/Document/Seminar.pptx
@@ -257,7 +257,7 @@
           <a:p>
             <a:fld id="{F4441C35-74F7-4865-8604-50B740D76BD3}" type="datetimeFigureOut">
               <a:rPr lang="en-US" smtClean="0"/>
-              <a:t>5/8/2017</a:t>
+              <a:t>5/11/2017</a:t>
             </a:fld>
             <a:endParaRPr lang="en-US"/>
           </a:p>
@@ -3171,14 +3171,14 @@
           </a:ln>
           <a:extLst>
             <a:ext uri="{909E8E84-426E-40dd-AFC4-6F175D3DCCD1}">
-              <a14:hiddenFill xmlns="" xmlns:a14="http://schemas.microsoft.com/office/drawing/2010/main">
+              <a14:hiddenFill xmlns:a14="http://schemas.microsoft.com/office/drawing/2010/main" xmlns="">
                 <a:solidFill>
                   <a:srgbClr val="FFFFFF"/>
                 </a:solidFill>
               </a14:hiddenFill>
             </a:ext>
             <a:ext uri="{91240B29-F687-4f45-9708-019B960494DF}">
-              <a14:hiddenLine xmlns="" xmlns:a14="http://schemas.microsoft.com/office/drawing/2010/main" w="9525">
+              <a14:hiddenLine xmlns:a14="http://schemas.microsoft.com/office/drawing/2010/main" xmlns="" w="9525">
                 <a:solidFill>
                   <a:srgbClr val="000000"/>
                 </a:solidFill>
@@ -3188,7 +3188,7 @@
               </a14:hiddenLine>
             </a:ext>
             <a:ext uri="{FAA26D3D-D897-4be2-8F04-BA451C77F1D7}">
-              <ma14:placeholderFlag xmlns="" xmlns:ma14="http://schemas.microsoft.com/office/mac/drawingml/2011/main" val="1"/>
+              <ma14:placeholderFlag xmlns:ma14="http://schemas.microsoft.com/office/mac/drawingml/2011/main" xmlns="" val="1"/>
             </a:ext>
           </a:extLst>
         </p:spPr>
@@ -3233,14 +3233,14 @@
           </a:ln>
           <a:extLst>
             <a:ext uri="{909E8E84-426E-40dd-AFC4-6F175D3DCCD1}">
-              <a14:hiddenFill xmlns="" xmlns:a14="http://schemas.microsoft.com/office/drawing/2010/main">
+              <a14:hiddenFill xmlns:a14="http://schemas.microsoft.com/office/drawing/2010/main" xmlns="">
                 <a:solidFill>
                   <a:srgbClr val="FFFFFF"/>
                 </a:solidFill>
               </a14:hiddenFill>
             </a:ext>
             <a:ext uri="{91240B29-F687-4f45-9708-019B960494DF}">
-              <a14:hiddenLine xmlns="" xmlns:a14="http://schemas.microsoft.com/office/drawing/2010/main" w="9525">
+              <a14:hiddenLine xmlns:a14="http://schemas.microsoft.com/office/drawing/2010/main" xmlns="" w="9525">
                 <a:solidFill>
                   <a:srgbClr val="000000"/>
                 </a:solidFill>
@@ -3250,7 +3250,7 @@
               </a14:hiddenLine>
             </a:ext>
             <a:ext uri="{FAA26D3D-D897-4be2-8F04-BA451C77F1D7}">
-              <ma14:placeholderFlag xmlns="" xmlns:ma14="http://schemas.microsoft.com/office/mac/drawingml/2011/main" val="1"/>
+              <ma14:placeholderFlag xmlns:ma14="http://schemas.microsoft.com/office/mac/drawingml/2011/main" xmlns="" val="1"/>
             </a:ext>
           </a:extLst>
         </p:spPr>
@@ -4060,11 +4060,7 @@
             </a:r>
             <a:r>
               <a:rPr lang="en-US" sz="2200" dirty="0" smtClean="0"/>
-              <a:t> : </a:t>
-            </a:r>
-            <a:r>
-              <a:rPr lang="en-US" sz="2200" dirty="0" smtClean="0"/>
-              <a:t>VPK2013</a:t>
+              <a:t> : VPK2013</a:t>
             </a:r>
             <a:endParaRPr lang="en-US" sz="2200" dirty="0"/>
           </a:p>
@@ -4828,7 +4824,6 @@
               <a:rPr lang="en-US" dirty="0" smtClean="0"/>
               <a:t>OpenGL ES</a:t>
             </a:r>
-            <a:endParaRPr lang="en-US" dirty="0" smtClean="0"/>
           </a:p>
           <a:p>
             <a:pPr marL="514350" indent="-514350">
@@ -5605,11 +5600,15 @@
             </a:r>
             <a:r>
               <a:rPr lang="en-US" dirty="0" err="1" smtClean="0"/>
-              <a:t>hoặc</a:t>
+              <a:t>và</a:t>
             </a:r>
             <a:r>
               <a:rPr lang="en-US" dirty="0" smtClean="0"/>
-              <a:t> 3 </a:t>
+              <a:t> </a:t>
+            </a:r>
+            <a:r>
+              <a:rPr lang="en-US" dirty="0" smtClean="0"/>
+              <a:t>3 </a:t>
             </a:r>
             <a:r>
               <a:rPr lang="en-US" dirty="0" err="1" smtClean="0"/>
@@ -5697,11 +5696,7 @@
           <a:p>
             <a:r>
               <a:rPr lang="en-US" dirty="0" smtClean="0"/>
-              <a:t>2.1.1</a:t>
-            </a:r>
-            <a:r>
-              <a:rPr lang="en-US" dirty="0" smtClean="0"/>
-              <a:t>. </a:t>
+              <a:t>2.1.1. </a:t>
             </a:r>
             <a:r>
               <a:rPr lang="en-US" dirty="0" err="1"/>
@@ -5732,7 +5727,7 @@
             <p:ph idx="1"/>
             <p:extLst>
               <p:ext uri="{D42A27DB-BD31-4B8C-83A1-F6EECF244321}">
-                <p14:modId xmlns:p14="http://schemas.microsoft.com/office/powerpoint/2010/main" val="4028611181"/>
+                <p14:modId xmlns:p14="http://schemas.microsoft.com/office/powerpoint/2010/main" val="4236692849"/>
               </p:ext>
             </p:extLst>
           </p:nvPr>
@@ -6124,11 +6119,7 @@
           <a:p>
             <a:r>
               <a:rPr lang="en-US" dirty="0" smtClean="0"/>
-              <a:t>2.1.2</a:t>
-            </a:r>
-            <a:r>
-              <a:rPr lang="en-US" dirty="0" smtClean="0"/>
-              <a:t>. </a:t>
+              <a:t>2.1.2. </a:t>
             </a:r>
             <a:r>
               <a:rPr lang="vi-VN" dirty="0"/>
@@ -11507,11 +11498,7 @@
             </a:r>
             <a:r>
               <a:rPr lang="en-US" dirty="0" smtClean="0"/>
-              <a:t> </a:t>
-            </a:r>
-            <a:r>
-              <a:rPr lang="en-US" dirty="0" smtClean="0"/>
-              <a:t>dung </a:t>
+              <a:t> dung </a:t>
             </a:r>
             <a:r>
               <a:rPr lang="en-US" dirty="0" err="1" smtClean="0"/>
@@ -11755,11 +11742,7 @@
           <a:p>
             <a:r>
               <a:rPr lang="en-US" dirty="0" smtClean="0"/>
-              <a:t>2.1.3</a:t>
-            </a:r>
-            <a:r>
-              <a:rPr lang="en-US" dirty="0" smtClean="0"/>
-              <a:t>. </a:t>
+              <a:t>2.1.3. </a:t>
             </a:r>
             <a:r>
               <a:rPr lang="en-US" dirty="0" err="1" smtClean="0"/>
@@ -20143,11 +20126,7 @@
           <a:p>
             <a:r>
               <a:rPr lang="en-US" dirty="0" smtClean="0"/>
-              <a:t>2.1.4</a:t>
-            </a:r>
-            <a:r>
-              <a:rPr lang="en-US" dirty="0" smtClean="0"/>
-              <a:t>. </a:t>
+              <a:t>2.1.4. </a:t>
             </a:r>
             <a:r>
               <a:rPr lang="en-US" dirty="0" err="1" smtClean="0"/>
@@ -25920,11 +25899,7 @@
           <a:p>
             <a:r>
               <a:rPr lang="en-US" dirty="0" smtClean="0"/>
-              <a:t>2.1.5</a:t>
-            </a:r>
-            <a:r>
-              <a:rPr lang="en-US" dirty="0" smtClean="0"/>
-              <a:t>. </a:t>
+              <a:t>2.1.5. </a:t>
             </a:r>
             <a:r>
               <a:rPr lang="en-US" dirty="0" err="1" smtClean="0"/>
@@ -28317,11 +28292,7 @@
           <a:p>
             <a:r>
               <a:rPr lang="en-US" dirty="0" smtClean="0"/>
-              <a:t>2.1.6</a:t>
-            </a:r>
-            <a:r>
-              <a:rPr lang="en-US" dirty="0" smtClean="0"/>
-              <a:t>. </a:t>
+              <a:t>2.1.6. </a:t>
             </a:r>
             <a:r>
               <a:rPr lang="en-US" dirty="0" err="1" smtClean="0"/>
@@ -33839,11 +33810,7 @@
           <a:p>
             <a:r>
               <a:rPr lang="en-US" dirty="0" smtClean="0"/>
-              <a:t>2.1.7</a:t>
-            </a:r>
-            <a:r>
-              <a:rPr lang="en-US" dirty="0" smtClean="0"/>
-              <a:t>. Demo</a:t>
+              <a:t>2.1.7. Demo</a:t>
             </a:r>
             <a:endParaRPr lang="en-US" dirty="0"/>
           </a:p>
@@ -34400,11 +34367,7 @@
           <a:p>
             <a:r>
               <a:rPr lang="en-US" dirty="0" smtClean="0"/>
-              <a:t>2.2.1</a:t>
-            </a:r>
-            <a:r>
-              <a:rPr lang="en-US" dirty="0" smtClean="0"/>
-              <a:t>. </a:t>
+              <a:t>2.2.1. </a:t>
             </a:r>
             <a:r>
               <a:rPr lang="en-US" dirty="0" err="1" smtClean="0"/>
@@ -37916,11 +37879,7 @@
           <a:p>
             <a:r>
               <a:rPr lang="en-US" dirty="0" smtClean="0"/>
-              <a:t>2.2.3</a:t>
-            </a:r>
-            <a:r>
-              <a:rPr lang="en-US" dirty="0" smtClean="0"/>
-              <a:t>. </a:t>
+              <a:t>2.2.3. </a:t>
             </a:r>
             <a:r>
               <a:rPr lang="en-US" dirty="0" err="1" smtClean="0"/>
@@ -38261,11 +38220,7 @@
           <a:p>
             <a:r>
               <a:rPr lang="en-US" dirty="0" smtClean="0"/>
-              <a:t>2.2.4</a:t>
-            </a:r>
-            <a:r>
-              <a:rPr lang="en-US" dirty="0" smtClean="0"/>
-              <a:t>. </a:t>
+              <a:t>2.2.4. </a:t>
             </a:r>
             <a:r>
               <a:rPr lang="vi-VN" dirty="0" smtClean="0"/>
@@ -38554,11 +38509,7 @@
           <a:p>
             <a:r>
               <a:rPr lang="en-US" dirty="0" smtClean="0"/>
-              <a:t>2.2.5</a:t>
-            </a:r>
-            <a:r>
-              <a:rPr lang="en-US" dirty="0" smtClean="0"/>
-              <a:t>. </a:t>
+              <a:t>2.2.5. </a:t>
             </a:r>
             <a:r>
               <a:rPr lang="vi-VN" dirty="0"/>
@@ -38741,11 +38692,7 @@
           <a:p>
             <a:r>
               <a:rPr lang="en-US" dirty="0" smtClean="0"/>
-              <a:t>2.2.6</a:t>
-            </a:r>
-            <a:r>
-              <a:rPr lang="en-US" dirty="0" smtClean="0"/>
-              <a:t>. </a:t>
+              <a:t>2.2.6. </a:t>
             </a:r>
             <a:r>
               <a:rPr lang="en-US" dirty="0" err="1" smtClean="0"/>
@@ -41492,11 +41439,7 @@
           <a:p>
             <a:r>
               <a:rPr lang="en-US" dirty="0" smtClean="0"/>
-              <a:t>1</a:t>
-            </a:r>
-            <a:r>
-              <a:rPr lang="en-US" dirty="0" smtClean="0"/>
-              <a:t>.2. </a:t>
+              <a:t>1.2. </a:t>
             </a:r>
             <a:r>
               <a:rPr lang="en-US" dirty="0" err="1" smtClean="0"/>
@@ -41720,11 +41663,7 @@
           <a:p>
             <a:r>
               <a:rPr lang="en-US" dirty="0" smtClean="0"/>
-              <a:t>1</a:t>
-            </a:r>
-            <a:r>
-              <a:rPr lang="en-US" dirty="0" smtClean="0"/>
-              <a:t>.3. </a:t>
+              <a:t>1.3. </a:t>
             </a:r>
             <a:r>
               <a:rPr lang="en-US" dirty="0" err="1" smtClean="0"/>
@@ -41966,11 +41905,7 @@
           <a:p>
             <a:r>
               <a:rPr lang="en-US" dirty="0" smtClean="0"/>
-              <a:t>1</a:t>
-            </a:r>
-            <a:r>
-              <a:rPr lang="en-US" dirty="0" smtClean="0"/>
-              <a:t>.3. </a:t>
+              <a:t>1.3. </a:t>
             </a:r>
             <a:r>
               <a:rPr lang="en-US" dirty="0" err="1" smtClean="0"/>
@@ -42010,7 +41945,6 @@
               <a:rPr lang="en-US" dirty="0" smtClean="0"/>
               <a:t>		Gameplay</a:t>
             </a:r>
-            <a:endParaRPr lang="en-US" dirty="0" smtClean="0"/>
           </a:p>
           <a:p>
             <a:pPr marL="0" indent="0">
